--- a/presentation.pptx
+++ b/presentation.pptx
@@ -104,6 +104,11 @@
       </a:defRPr>
     </a:lvl9pPr>
   </p:defaultTextStyle>
+  <p:extLst>
+    <p:ext uri="{EFAFB233-063F-42B5-8137-9DF3F51BA10A}">
+      <p15:sldGuideLst xmlns:p15="http://schemas.microsoft.com/office/powerpoint/2012/main"/>
+    </p:ext>
+  </p:extLst>
 </p:presentation>
 </file>
 
@@ -3350,7 +3355,7 @@
         </p:blipFill>
         <p:spPr bwMode="auto">
           <a:xfrm>
-            <a:off x="647700" y="0"/>
+            <a:off x="479163" y="583097"/>
             <a:ext cx="5308600" cy="2587942"/>
           </a:xfrm>
           <a:prstGeom prst="rect">
@@ -3397,7 +3402,7 @@
         </p:blipFill>
         <p:spPr bwMode="auto">
           <a:xfrm>
-            <a:off x="7303322" y="203200"/>
+            <a:off x="7443842" y="790430"/>
             <a:ext cx="4748158" cy="2717800"/>
           </a:xfrm>
           <a:prstGeom prst="rect">
@@ -3469,7 +3474,7 @@
                 </a:solidFill>
                 <a:cs typeface="B Nazanin" panose="00000400000000000000" pitchFamily="2" charset="-78"/>
               </a:rPr>
-              <a:t>Ffmpeg</a:t>
+              <a:t>FFmpeg</a:t>
             </a:r>
             <a:r>
               <a:rPr lang="fa-IR" dirty="0">
@@ -3478,7 +3483,7 @@
                 </a:solidFill>
                 <a:cs typeface="B Nazanin" panose="00000400000000000000" pitchFamily="2" charset="-78"/>
               </a:rPr>
-              <a:t> یه نرم افزار متن بازه که ازش میشه برای ویرایش فایل های ویدیویی استفاده کرد. این نرم افزار ابزارهای خط فرمان متنوعی برای رمزگذاری فرمت، الحاق چند ویدیو به هم، مقیاس بندی و ... داره.</a:t>
+              <a:t> یه نرم‌افزار متن بازه که ازش میشه برای ویرایش فایل‌های ویدیویی استفاده کرد. این نرم افزار ابزارهای خط فرمان متنوعی برای رمزگذاری فرمت، الحاق چند ویدیو به هم، مقیاس‌بندی و ... داره.</a:t>
             </a:r>
           </a:p>
           <a:p>
@@ -3494,7 +3499,7 @@
                 </a:solidFill>
                 <a:cs typeface="B Nazanin" panose="00000400000000000000" pitchFamily="2" charset="-78"/>
               </a:rPr>
-              <a:t>به عنوان توسعه دهنده سایت </a:t>
+              <a:t>به عنوان توسعه‌دهنده سایت </a:t>
             </a:r>
             <a:r>
               <a:rPr lang="en-US" dirty="0">
@@ -3512,7 +3517,16 @@
                 </a:solidFill>
                 <a:cs typeface="B Nazanin" panose="00000400000000000000" pitchFamily="2" charset="-78"/>
               </a:rPr>
-              <a:t> سفارش سرویسی شد که با دریافت شماره هر متوفی در سایت، ویدیویی اختصاصی شامل تصویر مرحوم به همراه قرائت سوره حمد تولید بشه. برای این کار از کامندلاین های </a:t>
+              <a:t> سفارش سرویسی شد که با دریافت شماره هر متوفی در سایت، ویدیویی اختصاصی شامل تصویر مرحوم به همراه قرائت سوره حمد تولید بشه. برای این کار </a:t>
+            </a:r>
+            <a:r>
+              <a:rPr lang="fa-IR">
+                <a:solidFill>
+                  <a:schemeClr val="tx1"/>
+                </a:solidFill>
+                <a:cs typeface="B Nazanin" panose="00000400000000000000" pitchFamily="2" charset="-78"/>
+              </a:rPr>
+              <a:t>از کامندلاین‌های </a:t>
             </a:r>
             <a:r>
               <a:rPr lang="en-US" dirty="0">
@@ -3619,6 +3633,55 @@
               </a:solidFill>
               <a:cs typeface="B Nazanin" panose="00000400000000000000" pitchFamily="2" charset="-78"/>
             </a:endParaRPr>
+          </a:p>
+        </p:txBody>
+      </p:sp>
+      <p:sp>
+        <p:nvSpPr>
+          <p:cNvPr id="2" name="TextBox 1">
+            <a:extLst>
+              <a:ext uri="{FF2B5EF4-FFF2-40B4-BE49-F238E27FC236}">
+                <a16:creationId xmlns:a16="http://schemas.microsoft.com/office/drawing/2014/main" id="{02F68866-952D-BEA5-4FFA-B4C4B70F1B38}"/>
+              </a:ext>
+            </a:extLst>
+          </p:cNvPr>
+          <p:cNvSpPr txBox="1"/>
+          <p:nvPr/>
+        </p:nvSpPr>
+        <p:spPr>
+          <a:xfrm>
+            <a:off x="394283" y="369116"/>
+            <a:ext cx="10954274" cy="369332"/>
+          </a:xfrm>
+          <a:prstGeom prst="rect">
+            <a:avLst/>
+          </a:prstGeom>
+          <a:solidFill>
+            <a:schemeClr val="accent4">
+              <a:lumMod val="20000"/>
+              <a:lumOff val="80000"/>
+            </a:schemeClr>
+          </a:solidFill>
+        </p:spPr>
+        <p:txBody>
+          <a:bodyPr wrap="square" rtlCol="0">
+            <a:spAutoFit/>
+          </a:bodyPr>
+          <a:lstStyle/>
+          <a:p>
+            <a:r>
+              <a:rPr lang="en-US" dirty="0">
+                <a:ln w="0"/>
+                <a:effectLst>
+                  <a:outerShdw blurRad="38100" dist="19050" dir="2700000" algn="tl" rotWithShape="0">
+                    <a:schemeClr val="dk1">
+                      <a:alpha val="40000"/>
+                    </a:schemeClr>
+                  </a:outerShdw>
+                </a:effectLst>
+              </a:rPr>
+              <a:t>Video creator using FFmpeg &amp; nodejs</a:t>
+            </a:r>
           </a:p>
         </p:txBody>
       </p:sp>
